--- a/DsDotNet/src/UnitTest/UnitTest.Engine/ImportPPT/T5_Call.pptx
+++ b/DsDotNet/src/UnitTest/UnitTest.Engine/ImportPPT/T5_Call.pptx
@@ -5,16 +5,15 @@
     <p:sldMasterId id="2147483648" r:id="rId1"/>
   </p:sldMasterIdLst>
   <p:notesMasterIdLst>
-    <p:notesMasterId r:id="rId6"/>
+    <p:notesMasterId r:id="rId5"/>
   </p:notesMasterIdLst>
   <p:handoutMasterIdLst>
-    <p:handoutMasterId r:id="rId7"/>
+    <p:handoutMasterId r:id="rId6"/>
   </p:handoutMasterIdLst>
   <p:sldIdLst>
     <p:sldId id="614" r:id="rId2"/>
     <p:sldId id="615" r:id="rId3"/>
     <p:sldId id="617" r:id="rId4"/>
-    <p:sldId id="616" r:id="rId5"/>
   </p:sldIdLst>
   <p:sldSz cx="12192000" cy="6858000"/>
   <p:notesSz cx="6797675" cy="9926638"/>
@@ -218,7 +217,7 @@
           <a:p>
             <a:fld id="{DD503887-5801-43A0-AEF9-041E8DDC2558}" type="datetimeFigureOut">
               <a:rPr lang="ko-KR" altLang="en-US" smtClean="0"/>
-              <a:t>2022-11-05</a:t>
+              <a:t>2022-12-06</a:t>
             </a:fld>
             <a:endParaRPr lang="ko-KR" altLang="en-US" dirty="0"/>
           </a:p>
@@ -395,7 +394,7 @@
           <a:p>
             <a:fld id="{95336A0E-57B1-4D4C-BD9B-2F72B5943464}" type="datetimeFigureOut">
               <a:rPr lang="ko-KR" altLang="en-US" smtClean="0"/>
-              <a:t>2022-11-05</a:t>
+              <a:t>2022-12-06</a:t>
             </a:fld>
             <a:endParaRPr lang="ko-KR" altLang="en-US" dirty="0"/>
           </a:p>
@@ -1063,7 +1062,7 @@
           <a:p>
             <a:fld id="{229D12C7-0FF5-4972-A033-474EFFC79F40}" type="datetime1">
               <a:rPr lang="ko-KR" altLang="en-US" smtClean="0"/>
-              <a:t>2022-11-05</a:t>
+              <a:t>2022-12-06</a:t>
             </a:fld>
             <a:endParaRPr lang="ko-KR" altLang="en-US" dirty="0"/>
           </a:p>
@@ -1261,7 +1260,7 @@
           <a:p>
             <a:fld id="{5BA19FD4-B052-4F56-8FD8-EAFD078DEFB0}" type="datetime1">
               <a:rPr lang="ko-KR" altLang="en-US" smtClean="0"/>
-              <a:t>2022-11-05</a:t>
+              <a:t>2022-12-06</a:t>
             </a:fld>
             <a:endParaRPr lang="ko-KR" altLang="en-US" dirty="0"/>
           </a:p>
@@ -1469,7 +1468,7 @@
           <a:p>
             <a:fld id="{024994B9-23A6-4B0A-A038-AC140E83DAA3}" type="datetime1">
               <a:rPr lang="ko-KR" altLang="en-US" smtClean="0"/>
-              <a:t>2022-11-05</a:t>
+              <a:t>2022-12-06</a:t>
             </a:fld>
             <a:endParaRPr lang="ko-KR" altLang="en-US" dirty="0"/>
           </a:p>
@@ -1667,7 +1666,7 @@
           <a:p>
             <a:fld id="{70D0DAB2-87CB-4028-B965-3AA710ADF2CB}" type="datetime1">
               <a:rPr lang="ko-KR" altLang="en-US" smtClean="0"/>
-              <a:t>2022-11-05</a:t>
+              <a:t>2022-12-06</a:t>
             </a:fld>
             <a:endParaRPr lang="ko-KR" altLang="en-US" dirty="0"/>
           </a:p>
@@ -1942,7 +1941,7 @@
           <a:p>
             <a:fld id="{63FA3D71-FEA8-477F-9D1E-EA860F411BC7}" type="datetime1">
               <a:rPr lang="ko-KR" altLang="en-US" smtClean="0"/>
-              <a:t>2022-11-05</a:t>
+              <a:t>2022-12-06</a:t>
             </a:fld>
             <a:endParaRPr lang="ko-KR" altLang="en-US" dirty="0"/>
           </a:p>
@@ -2207,7 +2206,7 @@
           <a:p>
             <a:fld id="{F58E3EF4-7980-4C97-BA64-EC66995BB574}" type="datetime1">
               <a:rPr lang="ko-KR" altLang="en-US" smtClean="0"/>
-              <a:t>2022-11-05</a:t>
+              <a:t>2022-12-06</a:t>
             </a:fld>
             <a:endParaRPr lang="ko-KR" altLang="en-US" dirty="0"/>
           </a:p>
@@ -2619,7 +2618,7 @@
           <a:p>
             <a:fld id="{FC9BC1D0-7D6B-4634-9D19-644040D74EAE}" type="datetime1">
               <a:rPr lang="ko-KR" altLang="en-US" smtClean="0"/>
-              <a:t>2022-11-05</a:t>
+              <a:t>2022-12-06</a:t>
             </a:fld>
             <a:endParaRPr lang="ko-KR" altLang="en-US" dirty="0"/>
           </a:p>
@@ -2761,7 +2760,7 @@
           <a:p>
             <a:fld id="{B5B1BBC2-B738-4C35-AEE5-660EB2DEB482}" type="datetime1">
               <a:rPr lang="ko-KR" altLang="en-US" smtClean="0"/>
-              <a:t>2022-11-05</a:t>
+              <a:t>2022-12-06</a:t>
             </a:fld>
             <a:endParaRPr lang="ko-KR" altLang="en-US" dirty="0"/>
           </a:p>
@@ -7343,7 +7342,7 @@
           <a:p>
             <a:fld id="{C60E9F93-7E77-4F36-B88C-A425F00C8D91}" type="datetime1">
               <a:rPr lang="ko-KR" altLang="en-US" smtClean="0"/>
-              <a:t>2022-11-05</a:t>
+              <a:t>2022-12-06</a:t>
             </a:fld>
             <a:endParaRPr lang="ko-KR" altLang="en-US" dirty="0"/>
           </a:p>
@@ -7654,7 +7653,7 @@
           <a:p>
             <a:fld id="{36BCCD0E-2A54-4016-BFFC-FEAABCDA6915}" type="datetime1">
               <a:rPr lang="ko-KR" altLang="en-US" smtClean="0"/>
-              <a:t>2022-11-05</a:t>
+              <a:t>2022-12-06</a:t>
             </a:fld>
             <a:endParaRPr lang="ko-KR" altLang="en-US" dirty="0"/>
           </a:p>
@@ -7942,7 +7941,7 @@
           <a:p>
             <a:fld id="{AAF69562-79F1-43EA-AE78-EAD8DB3AEC1A}" type="datetime1">
               <a:rPr lang="ko-KR" altLang="en-US" smtClean="0"/>
-              <a:t>2022-11-05</a:t>
+              <a:t>2022-12-06</a:t>
             </a:fld>
             <a:endParaRPr lang="ko-KR" altLang="en-US" dirty="0"/>
           </a:p>
@@ -8183,7 +8182,7 @@
           <a:p>
             <a:fld id="{C984B0C4-64BA-4E4C-B5E6-A51EE3F6ED95}" type="datetime1">
               <a:rPr lang="ko-KR" altLang="en-US" smtClean="0"/>
-              <a:t>2022-11-05</a:t>
+              <a:t>2022-12-06</a:t>
             </a:fld>
             <a:endParaRPr lang="ko-KR" altLang="en-US" dirty="0"/>
           </a:p>
@@ -8819,7 +8818,7 @@
             <a:pPr algn="ctr"/>
             <a:r>
               <a:rPr lang="en-US" altLang="ko-KR" dirty="0"/>
-              <a:t>$SystemA.Func1</a:t>
+              <a:t>SystemA.Func1</a:t>
             </a:r>
             <a:endParaRPr lang="ko-KR" altLang="en-US" dirty="0"/>
           </a:p>
@@ -8869,7 +8868,7 @@
             <a:pPr algn="ctr"/>
             <a:r>
               <a:rPr lang="en-US" altLang="ko-KR" dirty="0"/>
-              <a:t>$SystemA.Func2</a:t>
+              <a:t>SystemA.Func2</a:t>
             </a:r>
             <a:endParaRPr lang="ko-KR" altLang="en-US" dirty="0"/>
           </a:p>
@@ -8917,6 +8916,63 @@
           </a:fontRef>
         </p:style>
       </p:cxnSp>
+      <p:sp>
+        <p:nvSpPr>
+          <p:cNvPr id="3" name="사각형: 모서리가 접힌 도형 2">
+            <a:extLst>
+              <a:ext uri="{FF2B5EF4-FFF2-40B4-BE49-F238E27FC236}">
+                <a16:creationId xmlns:a16="http://schemas.microsoft.com/office/drawing/2014/main" id="{4E13727B-B73A-81E5-3653-6226E271BE84}"/>
+              </a:ext>
+            </a:extLst>
+          </p:cNvPr>
+          <p:cNvSpPr/>
+          <p:nvPr/>
+        </p:nvSpPr>
+        <p:spPr>
+          <a:xfrm>
+            <a:off x="7267575" y="635612"/>
+            <a:ext cx="2437946" cy="1223682"/>
+          </a:xfrm>
+          <a:prstGeom prst="foldedCorner">
+            <a:avLst/>
+          </a:prstGeom>
+        </p:spPr>
+        <p:style>
+          <a:lnRef idx="2">
+            <a:schemeClr val="accent1">
+              <a:shade val="50000"/>
+            </a:schemeClr>
+          </a:lnRef>
+          <a:fillRef idx="1">
+            <a:schemeClr val="accent1"/>
+          </a:fillRef>
+          <a:effectRef idx="0">
+            <a:schemeClr val="accent1"/>
+          </a:effectRef>
+          <a:fontRef idx="minor">
+            <a:schemeClr val="lt1"/>
+          </a:fontRef>
+        </p:style>
+        <p:txBody>
+          <a:bodyPr rtlCol="0" anchor="ctr"/>
+          <a:lstStyle/>
+          <a:p>
+            <a:pPr algn="ctr"/>
+            <a:r>
+              <a:rPr lang="en-US" altLang="ko-KR" dirty="0"/>
+              <a:t>T5_DeviceCall</a:t>
+            </a:r>
+          </a:p>
+          <a:p>
+            <a:pPr algn="ctr"/>
+            <a:r>
+              <a:rPr lang="en-US" altLang="ko-KR" dirty="0"/>
+              <a:t>[SystemA]</a:t>
+            </a:r>
+            <a:endParaRPr lang="ko-KR" altLang="en-US" dirty="0"/>
+          </a:p>
+        </p:txBody>
+      </p:sp>
     </p:spTree>
     <p:extLst>
       <p:ext uri="{BB962C8B-B14F-4D97-AF65-F5344CB8AC3E}">
@@ -9158,7 +9214,7 @@
                 <a:pPr algn="ctr"/>
                 <a:r>
                   <a:rPr lang="en-US" altLang="ko-KR" dirty="0"/>
-                  <a:t>$SystemA.Func1</a:t>
+                  <a:t>SystemB.Func1</a:t>
                 </a:r>
                 <a:endParaRPr lang="ko-KR" altLang="en-US" dirty="0"/>
               </a:p>
@@ -9208,7 +9264,7 @@
                 <a:pPr algn="ctr"/>
                 <a:r>
                   <a:rPr lang="en-US" altLang="ko-KR" dirty="0"/>
-                  <a:t>$SystemA.Func2</a:t>
+                  <a:t>SystemB.Func2</a:t>
                 </a:r>
                 <a:endParaRPr lang="ko-KR" altLang="en-US" dirty="0"/>
               </a:p>
@@ -9322,71 +9378,12 @@
           </p:txBody>
         </p:sp>
       </p:grpSp>
-    </p:spTree>
-    <p:extLst>
-      <p:ext uri="{BB962C8B-B14F-4D97-AF65-F5344CB8AC3E}">
-        <p14:creationId xmlns:p14="http://schemas.microsoft.com/office/powerpoint/2010/main" val="805683712"/>
-      </p:ext>
-    </p:extLst>
-  </p:cSld>
-  <p:clrMapOvr>
-    <a:masterClrMapping/>
-  </p:clrMapOvr>
-</p:sld>
-</file>
-
-<file path=ppt/slides/slide4.xml><?xml version="1.0" encoding="utf-8"?>
-<p:sld xmlns:a="http://schemas.openxmlformats.org/drawingml/2006/main" xmlns:r="http://schemas.openxmlformats.org/officeDocument/2006/relationships" xmlns:p="http://schemas.openxmlformats.org/presentationml/2006/main">
-  <p:cSld>
-    <p:spTree>
-      <p:nvGrpSpPr>
-        <p:cNvPr id="1" name=""/>
-        <p:cNvGrpSpPr/>
-        <p:nvPr/>
-      </p:nvGrpSpPr>
-      <p:grpSpPr>
-        <a:xfrm>
-          <a:off x="0" y="0"/>
-          <a:ext cx="0" cy="0"/>
-          <a:chOff x="0" y="0"/>
-          <a:chExt cx="0" cy="0"/>
-        </a:xfrm>
-      </p:grpSpPr>
       <p:sp>
         <p:nvSpPr>
-          <p:cNvPr id="2" name="제목 1">
+          <p:cNvPr id="4" name="사각형: 모서리가 접힌 도형 3">
             <a:extLst>
               <a:ext uri="{FF2B5EF4-FFF2-40B4-BE49-F238E27FC236}">
-                <a16:creationId xmlns:a16="http://schemas.microsoft.com/office/drawing/2014/main" id="{07B9D4F8-729C-28C9-E013-55CFA353A99D}"/>
-              </a:ext>
-            </a:extLst>
-          </p:cNvPr>
-          <p:cNvSpPr>
-            <a:spLocks noGrp="1"/>
-          </p:cNvSpPr>
-          <p:nvPr>
-            <p:ph type="title"/>
-          </p:nvPr>
-        </p:nvSpPr>
-        <p:spPr/>
-        <p:txBody>
-          <a:bodyPr/>
-          <a:lstStyle/>
-          <a:p>
-            <a:r>
-              <a:rPr lang="en-US" altLang="ko-KR" dirty="0"/>
-              <a:t>$SystemA</a:t>
-            </a:r>
-            <a:endParaRPr lang="ko-KR" altLang="en-US" dirty="0"/>
-          </a:p>
-        </p:txBody>
-      </p:sp>
-      <p:sp>
-        <p:nvSpPr>
-          <p:cNvPr id="4" name="화살표: 오각형 3">
-            <a:extLst>
-              <a:ext uri="{FF2B5EF4-FFF2-40B4-BE49-F238E27FC236}">
-                <a16:creationId xmlns:a16="http://schemas.microsoft.com/office/drawing/2014/main" id="{979380F3-FD5A-E9DA-209F-C1D7E880DC3C}"/>
+                <a16:creationId xmlns:a16="http://schemas.microsoft.com/office/drawing/2014/main" id="{9C373002-ADEA-2119-97A0-EF08D1E595BA}"/>
               </a:ext>
             </a:extLst>
           </p:cNvPr>
@@ -9395,10 +9392,10 @@
         </p:nvSpPr>
         <p:spPr>
           <a:xfrm>
-            <a:off x="11353800" y="714375"/>
-            <a:ext cx="1047750" cy="619125"/>
+            <a:off x="7267575" y="635612"/>
+            <a:ext cx="2437946" cy="1223682"/>
           </a:xfrm>
-          <a:prstGeom prst="homePlate">
+          <a:prstGeom prst="foldedCorner">
             <a:avLst/>
           </a:prstGeom>
         </p:spPr>
@@ -9425,57 +9422,14 @@
             <a:pPr algn="ctr"/>
             <a:r>
               <a:rPr lang="en-US" altLang="ko-KR" dirty="0"/>
-              <a:t>Func1</a:t>
-            </a:r>
-            <a:endParaRPr lang="ko-KR" altLang="en-US" dirty="0"/>
-          </a:p>
-        </p:txBody>
-      </p:sp>
-      <p:sp>
-        <p:nvSpPr>
-          <p:cNvPr id="5" name="화살표: 오각형 4">
-            <a:extLst>
-              <a:ext uri="{FF2B5EF4-FFF2-40B4-BE49-F238E27FC236}">
-                <a16:creationId xmlns:a16="http://schemas.microsoft.com/office/drawing/2014/main" id="{D5CC48D8-8239-428C-F6E6-715959310C86}"/>
-              </a:ext>
-            </a:extLst>
-          </p:cNvPr>
-          <p:cNvSpPr/>
-          <p:nvPr/>
-        </p:nvSpPr>
-        <p:spPr>
-          <a:xfrm>
-            <a:off x="11353800" y="1607345"/>
-            <a:ext cx="1047750" cy="619125"/>
-          </a:xfrm>
-          <a:prstGeom prst="homePlate">
-            <a:avLst/>
-          </a:prstGeom>
-        </p:spPr>
-        <p:style>
-          <a:lnRef idx="2">
-            <a:schemeClr val="accent1">
-              <a:shade val="50000"/>
-            </a:schemeClr>
-          </a:lnRef>
-          <a:fillRef idx="1">
-            <a:schemeClr val="accent1"/>
-          </a:fillRef>
-          <a:effectRef idx="0">
-            <a:schemeClr val="accent1"/>
-          </a:effectRef>
-          <a:fontRef idx="minor">
-            <a:schemeClr val="lt1"/>
-          </a:fontRef>
-        </p:style>
-        <p:txBody>
-          <a:bodyPr rtlCol="0" anchor="ctr"/>
-          <a:lstStyle/>
+              <a:t>T5_DeviceCall</a:t>
+            </a:r>
+          </a:p>
           <a:p>
             <a:pPr algn="ctr"/>
             <a:r>
               <a:rPr lang="en-US" altLang="ko-KR" dirty="0"/>
-              <a:t>Func2</a:t>
+              <a:t>[SystemB]</a:t>
             </a:r>
             <a:endParaRPr lang="ko-KR" altLang="en-US" dirty="0"/>
           </a:p>
@@ -9484,7 +9438,7 @@
     </p:spTree>
     <p:extLst>
       <p:ext uri="{BB962C8B-B14F-4D97-AF65-F5344CB8AC3E}">
-        <p14:creationId xmlns:p14="http://schemas.microsoft.com/office/powerpoint/2010/main" val="3412337540"/>
+        <p14:creationId xmlns:p14="http://schemas.microsoft.com/office/powerpoint/2010/main" val="805683712"/>
       </p:ext>
     </p:extLst>
   </p:cSld>

--- a/DsDotNet/src/UnitTest/UnitTest.Engine/ImportPPT/T5_Call.pptx
+++ b/DsDotNet/src/UnitTest/UnitTest.Engine/ImportPPT/T5_Call.pptx
@@ -217,7 +217,7 @@
           <a:p>
             <a:fld id="{DD503887-5801-43A0-AEF9-041E8DDC2558}" type="datetimeFigureOut">
               <a:rPr lang="ko-KR" altLang="en-US" smtClean="0"/>
-              <a:t>2022-12-06</a:t>
+              <a:t>2022-12-07</a:t>
             </a:fld>
             <a:endParaRPr lang="ko-KR" altLang="en-US" dirty="0"/>
           </a:p>
@@ -394,7 +394,7 @@
           <a:p>
             <a:fld id="{95336A0E-57B1-4D4C-BD9B-2F72B5943464}" type="datetimeFigureOut">
               <a:rPr lang="ko-KR" altLang="en-US" smtClean="0"/>
-              <a:t>2022-12-06</a:t>
+              <a:t>2022-12-07</a:t>
             </a:fld>
             <a:endParaRPr lang="ko-KR" altLang="en-US" dirty="0"/>
           </a:p>
@@ -1062,7 +1062,7 @@
           <a:p>
             <a:fld id="{229D12C7-0FF5-4972-A033-474EFFC79F40}" type="datetime1">
               <a:rPr lang="ko-KR" altLang="en-US" smtClean="0"/>
-              <a:t>2022-12-06</a:t>
+              <a:t>2022-12-07</a:t>
             </a:fld>
             <a:endParaRPr lang="ko-KR" altLang="en-US" dirty="0"/>
           </a:p>
@@ -1260,7 +1260,7 @@
           <a:p>
             <a:fld id="{5BA19FD4-B052-4F56-8FD8-EAFD078DEFB0}" type="datetime1">
               <a:rPr lang="ko-KR" altLang="en-US" smtClean="0"/>
-              <a:t>2022-12-06</a:t>
+              <a:t>2022-12-07</a:t>
             </a:fld>
             <a:endParaRPr lang="ko-KR" altLang="en-US" dirty="0"/>
           </a:p>
@@ -1468,7 +1468,7 @@
           <a:p>
             <a:fld id="{024994B9-23A6-4B0A-A038-AC140E83DAA3}" type="datetime1">
               <a:rPr lang="ko-KR" altLang="en-US" smtClean="0"/>
-              <a:t>2022-12-06</a:t>
+              <a:t>2022-12-07</a:t>
             </a:fld>
             <a:endParaRPr lang="ko-KR" altLang="en-US" dirty="0"/>
           </a:p>
@@ -1666,7 +1666,7 @@
           <a:p>
             <a:fld id="{70D0DAB2-87CB-4028-B965-3AA710ADF2CB}" type="datetime1">
               <a:rPr lang="ko-KR" altLang="en-US" smtClean="0"/>
-              <a:t>2022-12-06</a:t>
+              <a:t>2022-12-07</a:t>
             </a:fld>
             <a:endParaRPr lang="ko-KR" altLang="en-US" dirty="0"/>
           </a:p>
@@ -1941,7 +1941,7 @@
           <a:p>
             <a:fld id="{63FA3D71-FEA8-477F-9D1E-EA860F411BC7}" type="datetime1">
               <a:rPr lang="ko-KR" altLang="en-US" smtClean="0"/>
-              <a:t>2022-12-06</a:t>
+              <a:t>2022-12-07</a:t>
             </a:fld>
             <a:endParaRPr lang="ko-KR" altLang="en-US" dirty="0"/>
           </a:p>
@@ -2206,7 +2206,7 @@
           <a:p>
             <a:fld id="{F58E3EF4-7980-4C97-BA64-EC66995BB574}" type="datetime1">
               <a:rPr lang="ko-KR" altLang="en-US" smtClean="0"/>
-              <a:t>2022-12-06</a:t>
+              <a:t>2022-12-07</a:t>
             </a:fld>
             <a:endParaRPr lang="ko-KR" altLang="en-US" dirty="0"/>
           </a:p>
@@ -2618,7 +2618,7 @@
           <a:p>
             <a:fld id="{FC9BC1D0-7D6B-4634-9D19-644040D74EAE}" type="datetime1">
               <a:rPr lang="ko-KR" altLang="en-US" smtClean="0"/>
-              <a:t>2022-12-06</a:t>
+              <a:t>2022-12-07</a:t>
             </a:fld>
             <a:endParaRPr lang="ko-KR" altLang="en-US" dirty="0"/>
           </a:p>
@@ -2760,7 +2760,7 @@
           <a:p>
             <a:fld id="{B5B1BBC2-B738-4C35-AEE5-660EB2DEB482}" type="datetime1">
               <a:rPr lang="ko-KR" altLang="en-US" smtClean="0"/>
-              <a:t>2022-12-06</a:t>
+              <a:t>2022-12-07</a:t>
             </a:fld>
             <a:endParaRPr lang="ko-KR" altLang="en-US" dirty="0"/>
           </a:p>
@@ -7342,7 +7342,7 @@
           <a:p>
             <a:fld id="{C60E9F93-7E77-4F36-B88C-A425F00C8D91}" type="datetime1">
               <a:rPr lang="ko-KR" altLang="en-US" smtClean="0"/>
-              <a:t>2022-12-06</a:t>
+              <a:t>2022-12-07</a:t>
             </a:fld>
             <a:endParaRPr lang="ko-KR" altLang="en-US" dirty="0"/>
           </a:p>
@@ -7653,7 +7653,7 @@
           <a:p>
             <a:fld id="{36BCCD0E-2A54-4016-BFFC-FEAABCDA6915}" type="datetime1">
               <a:rPr lang="ko-KR" altLang="en-US" smtClean="0"/>
-              <a:t>2022-12-06</a:t>
+              <a:t>2022-12-07</a:t>
             </a:fld>
             <a:endParaRPr lang="ko-KR" altLang="en-US" dirty="0"/>
           </a:p>
@@ -7941,7 +7941,7 @@
           <a:p>
             <a:fld id="{AAF69562-79F1-43EA-AE78-EAD8DB3AEC1A}" type="datetime1">
               <a:rPr lang="ko-KR" altLang="en-US" smtClean="0"/>
-              <a:t>2022-12-06</a:t>
+              <a:t>2022-12-07</a:t>
             </a:fld>
             <a:endParaRPr lang="ko-KR" altLang="en-US" dirty="0"/>
           </a:p>
@@ -8182,7 +8182,7 @@
           <a:p>
             <a:fld id="{C984B0C4-64BA-4E4C-B5E6-A51EE3F6ED95}" type="datetime1">
               <a:rPr lang="ko-KR" altLang="en-US" smtClean="0"/>
-              <a:t>2022-12-06</a:t>
+              <a:t>2022-12-07</a:t>
             </a:fld>
             <a:endParaRPr lang="ko-KR" altLang="en-US" dirty="0"/>
           </a:p>
@@ -8818,7 +8818,7 @@
             <a:pPr algn="ctr"/>
             <a:r>
               <a:rPr lang="en-US" altLang="ko-KR" dirty="0"/>
-              <a:t>SystemA.Func1</a:t>
+              <a:t>SystemA$Func1</a:t>
             </a:r>
             <a:endParaRPr lang="ko-KR" altLang="en-US" dirty="0"/>
           </a:p>
@@ -8868,7 +8868,7 @@
             <a:pPr algn="ctr"/>
             <a:r>
               <a:rPr lang="en-US" altLang="ko-KR" dirty="0"/>
-              <a:t>SystemA.Func2</a:t>
+              <a:t>SystemA $Func2</a:t>
             </a:r>
             <a:endParaRPr lang="ko-KR" altLang="en-US" dirty="0"/>
           </a:p>
@@ -8959,8 +8959,12 @@
           <a:p>
             <a:pPr algn="ctr"/>
             <a:r>
+              <a:rPr lang="en-US" altLang="ko-KR" dirty="0" err="1"/>
+              <a:t>LibrarySystem</a:t>
+            </a:r>
+            <a:r>
               <a:rPr lang="en-US" altLang="ko-KR" dirty="0"/>
-              <a:t>T5_DeviceCall</a:t>
+              <a:t> </a:t>
             </a:r>
           </a:p>
           <a:p>
@@ -9214,7 +9218,7 @@
                 <a:pPr algn="ctr"/>
                 <a:r>
                   <a:rPr lang="en-US" altLang="ko-KR" dirty="0"/>
-                  <a:t>SystemB.Func1</a:t>
+                  <a:t>SystemB $Func1</a:t>
                 </a:r>
                 <a:endParaRPr lang="ko-KR" altLang="en-US" dirty="0"/>
               </a:p>
@@ -9264,7 +9268,7 @@
                 <a:pPr algn="ctr"/>
                 <a:r>
                   <a:rPr lang="en-US" altLang="ko-KR" dirty="0"/>
-                  <a:t>SystemB.Func2</a:t>
+                  <a:t>SystemB $Func2</a:t>
                 </a:r>
                 <a:endParaRPr lang="ko-KR" altLang="en-US" dirty="0"/>
               </a:p>
@@ -9421,8 +9425,12 @@
           <a:p>
             <a:pPr algn="ctr"/>
             <a:r>
+              <a:rPr lang="en-US" altLang="ko-KR" dirty="0" err="1"/>
+              <a:t>LibrarySystem</a:t>
+            </a:r>
+            <a:r>
               <a:rPr lang="en-US" altLang="ko-KR" dirty="0"/>
-              <a:t>T5_DeviceCall</a:t>
+              <a:t> </a:t>
             </a:r>
           </a:p>
           <a:p>
